--- a/spring13/slides13/deviation-intro.pptx
+++ b/spring13/slides13/deviation-intro.pptx
@@ -2006,6 +2006,9 @@
   <p:clrMapOvr>
     <a:masterClrMapping/>
   </p:clrMapOvr>
+  <p:transition xmlns:p14="http://schemas.microsoft.com/office/powerpoint/2010/main" spd="slow" advClick="0">
+    <p:fade/>
+  </p:transition>
   <p:timing>
     <p:tnLst>
       <p:par>
@@ -2113,6 +2116,9 @@
   <p:clrMapOvr>
     <a:masterClrMapping/>
   </p:clrMapOvr>
+  <p:transition xmlns:p14="http://schemas.microsoft.com/office/powerpoint/2010/main" spd="slow" advClick="0">
+    <p:fade/>
+  </p:transition>
   <p:timing>
     <p:tnLst>
       <p:par>
@@ -2168,6 +2174,9 @@
   <p:clrMapOvr>
     <a:masterClrMapping/>
   </p:clrMapOvr>
+  <p:transition xmlns:p14="http://schemas.microsoft.com/office/powerpoint/2010/main" spd="slow" advClick="0">
+    <p:fade/>
+  </p:transition>
   <p:timing>
     <p:tnLst>
       <p:par>
@@ -2200,6 +2209,9 @@
   <p:clrMapOvr>
     <a:masterClrMapping/>
   </p:clrMapOvr>
+  <p:transition xmlns:p14="http://schemas.microsoft.com/office/powerpoint/2010/main" spd="slow" advClick="0">
+    <p:fade/>
+  </p:transition>
   <p:timing>
     <p:tnLst>
       <p:par>
@@ -2374,6 +2386,9 @@
   <p:clrMapOvr>
     <a:masterClrMapping/>
   </p:clrMapOvr>
+  <p:transition xmlns:p14="http://schemas.microsoft.com/office/powerpoint/2010/main" spd="slow" advClick="0">
+    <p:fade/>
+  </p:transition>
   <p:timing>
     <p:tnLst>
       <p:par>
@@ -2406,6 +2421,9 @@
   <p:clrMapOvr>
     <a:masterClrMapping/>
   </p:clrMapOvr>
+  <p:transition xmlns:p14="http://schemas.microsoft.com/office/powerpoint/2010/main" spd="slow" advClick="0">
+    <p:fade/>
+  </p:transition>
   <p:timing>
     <p:tnLst>
       <p:par>
@@ -2620,22 +2638,16 @@
               <a:defRPr/>
             </a:pPr>
             <a:r>
-              <a:rPr lang="en-US" sz="1200" i="0" dirty="0" err="1">
+              <a:rPr lang="en-US" sz="1200" i="0" dirty="0" err="1" smtClean="0">
                 <a:latin typeface="Comic Sans MS" pitchFamily="66" charset="0"/>
               </a:rPr>
-              <a:t>lec</a:t>
-            </a:r>
-            <a:r>
-              <a:rPr lang="en-US" sz="1200" i="0" dirty="0">
-                <a:latin typeface="Comic Sans MS" pitchFamily="66" charset="0"/>
-              </a:rPr>
-              <a:t> </a:t>
+              <a:t>devintro</a:t>
             </a:r>
             <a:r>
               <a:rPr lang="en-US" sz="1200" i="0" dirty="0" smtClean="0">
                 <a:latin typeface="Comic Sans MS" pitchFamily="66" charset="0"/>
               </a:rPr>
-              <a:t>13M.</a:t>
+              <a:t>.</a:t>
             </a:r>
             <a:fld id="{8EFAB908-805A-4676-B0DE-7F22E787CA05}" type="slidenum">
               <a:rPr lang="en-US" sz="1200" i="0" smtClean="0">
@@ -2703,22 +2715,7 @@
                 <a:uFillTx/>
                 <a:latin typeface="Comic Sans MS" pitchFamily="66" charset="0"/>
               </a:rPr>
-              <a:t>Albert R Meyer,                </a:t>
-            </a:r>
-            <a:r>
-              <a:rPr kumimoji="0" lang="en-US" sz="1200" b="0" i="0" u="none" strike="noStrike" kern="1200" cap="none" spc="0" normalizeH="0" baseline="0" noProof="0" dirty="0" smtClean="0">
-                <a:ln>
-                  <a:noFill/>
-                </a:ln>
-                <a:solidFill>
-                  <a:schemeClr val="tx1"/>
-                </a:solidFill>
-                <a:effectLst/>
-                <a:uLnTx/>
-                <a:uFillTx/>
-                <a:latin typeface="Comic Sans MS" pitchFamily="66" charset="0"/>
-              </a:rPr>
-              <a:t>May 7, 2012</a:t>
+              <a:t>Albert R Meyer,                May 10, 2013</a:t>
             </a:r>
             <a:endParaRPr kumimoji="0" lang="en-US" sz="1200" b="0" i="0" u="none" strike="noStrike" kern="1200" cap="none" spc="0" normalizeH="0" baseline="0" noProof="0" dirty="0">
               <a:ln>
@@ -2769,6 +2766,9 @@
     <p:sldLayoutId id="2147483681" r:id="rId4"/>
     <p:sldLayoutId id="2147483686" r:id="rId5"/>
   </p:sldLayoutIdLst>
+  <p:transition xmlns:p14="http://schemas.microsoft.com/office/powerpoint/2010/main" spd="slow" advClick="0">
+    <p:fade/>
+  </p:transition>
   <p:timing>
     <p:tnLst>
       <p:par>
@@ -3390,6 +3390,9 @@
   <p:sldLayoutIdLst>
     <p:sldLayoutId id="2147483688" r:id="rId1"/>
   </p:sldLayoutIdLst>
+  <p:transition xmlns:p14="http://schemas.microsoft.com/office/powerpoint/2010/main" spd="slow" advClick="0">
+    <p:fade/>
+  </p:transition>
   <p:timing>
     <p:tnLst>
       <p:par>
@@ -3946,7 +3949,14 @@
   <p:clrMapOvr>
     <a:masterClrMapping/>
   </p:clrMapOvr>
-  <p:transition xmlns:p14="http://schemas.microsoft.com/office/powerpoint/2010/main" advTm="9528"/>
+  <mc:AlternateContent xmlns:mc="http://schemas.openxmlformats.org/markup-compatibility/2006">
+    <mc:Choice xmlns:p14="http://schemas.microsoft.com/office/powerpoint/2010/main" Requires="p14">
+      <p:transition p14:dur="0" advClick="0"/>
+    </mc:Choice>
+    <mc:Fallback>
+      <p:transition xmlns:p14="http://schemas.microsoft.com/office/powerpoint/2010/main" advClick="0"/>
+    </mc:Fallback>
+  </mc:AlternateContent>
   <p:timing>
     <p:tnLst>
       <p:par>
@@ -3958,7 +3968,7 @@
 </file>
 
 <file path=ppt/slides/slide10.xml><?xml version="1.0" encoding="utf-8"?>
-<p:sld xmlns:a="http://schemas.openxmlformats.org/drawingml/2006/main" xmlns:r="http://schemas.openxmlformats.org/officeDocument/2006/relationships" xmlns:p="http://schemas.openxmlformats.org/presentationml/2006/main">
+<p:sld xmlns:a="http://schemas.openxmlformats.org/drawingml/2006/main" xmlns:r="http://schemas.openxmlformats.org/officeDocument/2006/relationships" xmlns:p="http://schemas.openxmlformats.org/presentationml/2006/main" show="0">
   <p:cSld>
     <p:spTree>
       <p:nvGrpSpPr>
@@ -4497,7 +4507,7 @@
         <p:spPr bwMode="auto">
           <a:xfrm>
             <a:off x="457200" y="3376613"/>
-            <a:ext cx="2038350" cy="641350"/>
+            <a:ext cx="2069797" cy="646331"/>
           </a:xfrm>
           <a:prstGeom prst="rect">
             <a:avLst/>
@@ -4517,11 +4527,32 @@
           <a:lstStyle/>
           <a:p>
             <a:r>
-              <a:rPr lang="en-US" sz="3600">
+              <a:rPr lang="en-US" sz="3600" dirty="0" err="1" smtClean="0">
                 <a:latin typeface="Comic Sans MS" pitchFamily="66" charset="0"/>
               </a:rPr>
-              <a:t>Pr{R = x}</a:t>
-            </a:r>
+              <a:t>Pr</a:t>
+            </a:r>
+            <a:r>
+              <a:rPr lang="en-US" sz="3600" dirty="0" smtClean="0">
+                <a:latin typeface="Comic Sans MS" pitchFamily="66" charset="0"/>
+              </a:rPr>
+              <a:t>[R </a:t>
+            </a:r>
+            <a:r>
+              <a:rPr lang="en-US" sz="3600" dirty="0">
+                <a:latin typeface="Comic Sans MS" pitchFamily="66" charset="0"/>
+              </a:rPr>
+              <a:t>= </a:t>
+            </a:r>
+            <a:r>
+              <a:rPr lang="en-US" sz="3600" dirty="0" smtClean="0">
+                <a:latin typeface="Comic Sans MS" pitchFamily="66" charset="0"/>
+              </a:rPr>
+              <a:t>x]</a:t>
+            </a:r>
+            <a:endParaRPr lang="en-US" sz="3600" dirty="0">
+              <a:latin typeface="Comic Sans MS" pitchFamily="66" charset="0"/>
+            </a:endParaRPr>
           </a:p>
         </p:txBody>
       </p:sp>
@@ -4608,8 +4639,8 @@
   <p:clrMapOvr>
     <a:masterClrMapping/>
   </p:clrMapOvr>
-  <p:transition xmlns:p14="http://schemas.microsoft.com/office/powerpoint/2010/main" spd="slow" advTm="51904">
-    <p:fade thruBlk="1"/>
+  <p:transition xmlns:p14="http://schemas.microsoft.com/office/powerpoint/2010/main" spd="slow" advClick="0">
+    <p:fade/>
   </p:transition>
   <p:timing>
     <p:tnLst>
@@ -4889,8 +4920,8 @@
   <p:clrMapOvr>
     <a:masterClrMapping/>
   </p:clrMapOvr>
-  <p:transition xmlns:p14="http://schemas.microsoft.com/office/powerpoint/2010/main" advTm="18050">
-    <p:fade thruBlk="1"/>
+  <p:transition xmlns:p14="http://schemas.microsoft.com/office/powerpoint/2010/main" spd="slow" advClick="0">
+    <p:fade/>
   </p:transition>
   <p:timing>
     <p:tnLst>
@@ -4913,7 +4944,7 @@
                             </p:stCondLst>
                             <p:childTnLst>
                               <p:par>
-                                <p:cTn id="5" presetID="9" presetClass="entr" presetSubtype="0" fill="hold" grpId="0" nodeType="clickEffect">
+                                <p:cTn id="5" presetID="10" presetClass="entr" presetSubtype="0" fill="hold" grpId="0" nodeType="clickEffect">
                                   <p:stCondLst>
                                     <p:cond delay="0"/>
                                   </p:stCondLst>
@@ -4940,7 +4971,7 @@
                                         <p:strVal val="visible"/>
                                       </p:to>
                                     </p:set>
-                                    <p:animEffect transition="in" filter="dissolve">
+                                    <p:animEffect transition="in" filter="fade">
                                       <p:cBhvr>
                                         <p:cTn id="7" dur="500"/>
                                         <p:tgtEl>
@@ -4956,7 +4987,7 @@
                                 </p:cTn>
                               </p:par>
                               <p:par>
-                                <p:cTn id="8" presetID="9" presetClass="entr" presetSubtype="0" fill="hold" grpId="0" nodeType="withEffect">
+                                <p:cTn id="8" presetID="10" presetClass="entr" presetSubtype="0" fill="hold" grpId="0" nodeType="withEffect">
                                   <p:stCondLst>
                                     <p:cond delay="0"/>
                                   </p:stCondLst>
@@ -4983,7 +5014,7 @@
                                         <p:strVal val="visible"/>
                                       </p:to>
                                     </p:set>
-                                    <p:animEffect transition="in" filter="dissolve">
+                                    <p:animEffect transition="in" filter="fade">
                                       <p:cBhvr>
                                         <p:cTn id="10" dur="500"/>
                                         <p:tgtEl>
@@ -4999,7 +5030,7 @@
                                 </p:cTn>
                               </p:par>
                               <p:par>
-                                <p:cTn id="11" presetID="9" presetClass="entr" presetSubtype="0" fill="hold" grpId="0" nodeType="withEffect">
+                                <p:cTn id="11" presetID="10" presetClass="entr" presetSubtype="0" fill="hold" grpId="0" nodeType="withEffect">
                                   <p:stCondLst>
                                     <p:cond delay="0"/>
                                   </p:stCondLst>
@@ -5026,7 +5057,7 @@
                                         <p:strVal val="visible"/>
                                       </p:to>
                                     </p:set>
-                                    <p:animEffect transition="in" filter="dissolve">
+                                    <p:animEffect transition="in" filter="fade">
                                       <p:cBhvr>
                                         <p:cTn id="13" dur="500"/>
                                         <p:tgtEl>
@@ -5069,7 +5100,7 @@
       </p:par>
     </p:tnLst>
     <p:bldLst>
-      <p:bldP spid="34820" grpId="0" uiExpand="1" build="p"/>
+      <p:bldP spid="34820" grpId="0" build="p"/>
     </p:bldLst>
   </p:timing>
 </p:sld>
@@ -5391,7 +5422,7 @@
             </a:r>
             <a:r>
               <a:rPr lang="en-US" sz="4800" dirty="0" smtClean="0"/>
-              <a:t>{</a:t>
+              <a:t>[</a:t>
             </a:r>
             <a:r>
               <a:rPr lang="en-US" sz="4800" dirty="0" smtClean="0">
@@ -5419,7 +5450,7 @@
             </a:r>
             <a:r>
               <a:rPr lang="en-US" sz="4800" dirty="0" smtClean="0"/>
-              <a:t> Heads} = ?</a:t>
+              <a:t> Heads] = ?</a:t>
             </a:r>
             <a:endParaRPr lang="en-US" sz="4800" dirty="0" smtClean="0">
               <a:solidFill>
@@ -5438,7 +5469,7 @@
             </a:r>
             <a:r>
               <a:rPr lang="en-US" sz="4800" dirty="0" smtClean="0"/>
-              <a:t>{</a:t>
+              <a:t>[</a:t>
             </a:r>
             <a:r>
               <a:rPr lang="en-US" sz="4800" dirty="0" smtClean="0">
@@ -5462,7 +5493,7 @@
             </a:r>
             <a:r>
               <a:rPr lang="en-US" sz="4800" dirty="0" smtClean="0"/>
-              <a:t> Heads} </a:t>
+              <a:t> Heads] </a:t>
             </a:r>
             <a:r>
               <a:rPr lang="en-US" sz="4800" b="1" dirty="0" smtClean="0">
@@ -5493,7 +5524,7 @@
             </a:r>
             <a:r>
               <a:rPr lang="en-US" sz="4800" dirty="0" smtClean="0"/>
-              <a:t>{</a:t>
+              <a:t>[</a:t>
             </a:r>
             <a:r>
               <a:rPr lang="en-US" sz="4800" dirty="0" smtClean="0">
@@ -5523,7 +5554,7 @@
             </a:r>
             <a:r>
               <a:rPr lang="en-US" sz="4800" dirty="0" smtClean="0"/>
-              <a:t> Heads}      </a:t>
+              <a:t> Heads]      </a:t>
             </a:r>
             <a:r>
               <a:rPr lang="en-US" sz="4800" b="1" dirty="0" smtClean="0">
@@ -5596,7 +5627,7 @@
   <p:clrMapOvr>
     <a:masterClrMapping/>
   </p:clrMapOvr>
-  <p:transition xmlns:p14="http://schemas.microsoft.com/office/powerpoint/2010/main" advTm="64934">
+  <p:transition xmlns:p14="http://schemas.microsoft.com/office/powerpoint/2010/main" spd="slow" advClick="0">
     <p:fade thruBlk="1"/>
   </p:transition>
   <p:timing>
@@ -6192,8 +6223,12 @@
               <a:buNone/>
             </a:pPr>
             <a:r>
+              <a:rPr lang="en-US" sz="4800" dirty="0" err="1" smtClean="0"/>
+              <a:t>Pr</a:t>
+            </a:r>
+            <a:r>
               <a:rPr lang="en-US" sz="4800" dirty="0" smtClean="0"/>
-              <a:t>Pr{#H = </a:t>
+              <a:t>[#H = </a:t>
             </a:r>
             <a:r>
               <a:rPr lang="en-US" sz="4800" dirty="0" smtClean="0">
@@ -6205,7 +6240,11 @@
             </a:r>
             <a:r>
               <a:rPr lang="en-US" sz="4800" dirty="0" smtClean="0"/>
-              <a:t>}          </a:t>
+              <a:t>]     </a:t>
+            </a:r>
+            <a:r>
+              <a:rPr lang="en-US" sz="4800" dirty="0" smtClean="0"/>
+              <a:t>      </a:t>
             </a:r>
             <a:r>
               <a:rPr lang="en-US" sz="4800" b="1" dirty="0" smtClean="0">
@@ -6231,8 +6270,12 @@
               <a:buNone/>
             </a:pPr>
             <a:r>
+              <a:rPr lang="en-US" sz="4800" dirty="0" err="1" smtClean="0"/>
+              <a:t>Pr</a:t>
+            </a:r>
+            <a:r>
               <a:rPr lang="en-US" sz="4800" dirty="0" smtClean="0"/>
-              <a:t>Pr{#H = </a:t>
+              <a:t>[#H = </a:t>
             </a:r>
             <a:r>
               <a:rPr lang="en-US" sz="4800" dirty="0" smtClean="0">
@@ -6262,7 +6305,7 @@
             </a:r>
             <a:r>
               <a:rPr lang="en-US" sz="4800" dirty="0" smtClean="0"/>
-              <a:t> } </a:t>
+              <a:t> ] </a:t>
             </a:r>
             <a:r>
               <a:rPr lang="en-US" sz="4800" b="1" dirty="0" smtClean="0">
@@ -6490,7 +6533,7 @@
   <p:clrMapOvr>
     <a:masterClrMapping/>
   </p:clrMapOvr>
-  <p:transition xmlns:p14="http://schemas.microsoft.com/office/powerpoint/2010/main" advTm="35688">
+  <p:transition xmlns:p14="http://schemas.microsoft.com/office/powerpoint/2010/main" spd="slow" advClick="0">
     <p:fade/>
   </p:transition>
   <p:timing>
@@ -6879,7 +6922,7 @@
             <a:r>
               <a:rPr lang="en-US" sz="6000" dirty="0" smtClean="0">
                 <a:solidFill>
-                  <a:srgbClr val="FF00FF"/>
+                  <a:srgbClr val="660066"/>
                 </a:solidFill>
               </a:rPr>
               <a:t>fixed distance</a:t>
@@ -6925,7 +6968,7 @@
   <p:clrMapOvr>
     <a:masterClrMapping/>
   </p:clrMapOvr>
-  <p:transition xmlns:p14="http://schemas.microsoft.com/office/powerpoint/2010/main" advTm="17185">
+  <p:transition xmlns:p14="http://schemas.microsoft.com/office/powerpoint/2010/main" spd="slow" advClick="0">
     <p:fade/>
   </p:transition>
   <p:timing>
@@ -7007,8 +7050,12 @@
               <a:buNone/>
             </a:pPr>
             <a:r>
+              <a:rPr lang="en-US" sz="4800" dirty="0" err="1" smtClean="0"/>
+              <a:t>Pr</a:t>
+            </a:r>
+            <a:r>
               <a:rPr lang="en-US" sz="4800" dirty="0" smtClean="0"/>
-              <a:t>Pr{#H = </a:t>
+              <a:t>[#H = </a:t>
             </a:r>
             <a:r>
               <a:rPr lang="en-US" sz="4800" dirty="0" smtClean="0">
@@ -7045,9 +7092,10 @@
               <a:t>%</a:t>
             </a:r>
             <a:r>
-              <a:rPr lang="en-US" sz="4800" dirty="0" smtClean="0"/>
-              <a:t>}</a:t>
-            </a:r>
+              <a:rPr lang="en-US" sz="4800" dirty="0"/>
+              <a:t>]</a:t>
+            </a:r>
+            <a:endParaRPr lang="en-US" sz="4800" dirty="0" smtClean="0"/>
           </a:p>
           <a:p>
             <a:pPr eaLnBrk="1" hangingPunct="1">
@@ -7056,7 +7104,15 @@
             </a:pPr>
             <a:r>
               <a:rPr lang="en-US" sz="4800" dirty="0" smtClean="0"/>
-              <a:t>    = Pr{#H = </a:t>
+              <a:t>    = </a:t>
+            </a:r>
+            <a:r>
+              <a:rPr lang="en-US" sz="4800" dirty="0" err="1" smtClean="0"/>
+              <a:t>Pr</a:t>
+            </a:r>
+            <a:r>
+              <a:rPr lang="en-US" sz="4800" dirty="0" smtClean="0"/>
+              <a:t>[#H = </a:t>
             </a:r>
             <a:r>
               <a:rPr lang="en-US" sz="4800" dirty="0" smtClean="0">
@@ -7086,7 +7142,7 @@
             </a:r>
             <a:r>
               <a:rPr lang="en-US" sz="4800" dirty="0" smtClean="0"/>
-              <a:t>}</a:t>
+              <a:t>]</a:t>
             </a:r>
           </a:p>
           <a:p>
@@ -7369,9 +7425,18 @@
   <p:clrMapOvr>
     <a:masterClrMapping/>
   </p:clrMapOvr>
-  <p:transition xmlns:p14="http://schemas.microsoft.com/office/powerpoint/2010/main" advTm="38734">
-    <p:fade thruBlk="1"/>
-  </p:transition>
+  <mc:AlternateContent xmlns:mc="http://schemas.openxmlformats.org/markup-compatibility/2006">
+    <mc:Choice xmlns:p14="http://schemas.microsoft.com/office/powerpoint/2010/main" Requires="p14">
+      <p:transition spd="slow" p14:dur="1200" advClick="0">
+        <p:fade thruBlk="1"/>
+      </p:transition>
+    </mc:Choice>
+    <mc:Fallback>
+      <p:transition xmlns:p14="http://schemas.microsoft.com/office/powerpoint/2010/main" spd="slow" advClick="0">
+        <p:fade thruBlk="1"/>
+      </p:transition>
+    </mc:Fallback>
+  </mc:AlternateContent>
   <p:timing>
     <p:tnLst>
       <p:par>
@@ -7393,7 +7458,7 @@
                             </p:stCondLst>
                             <p:childTnLst>
                               <p:par>
-                                <p:cTn id="5" presetID="9" presetClass="entr" presetSubtype="0" fill="hold" grpId="0" nodeType="clickEffect">
+                                <p:cTn id="5" presetID="10" presetClass="entr" presetSubtype="0" fill="hold" nodeType="clickEffect">
                                   <p:stCondLst>
                                     <p:cond delay="0"/>
                                   </p:stCondLst>
@@ -7408,7 +7473,7 @@
                                         <p:tgtEl>
                                           <p:spTgt spid="628739">
                                             <p:txEl>
-                                              <p:pRg st="1" end="1"/>
+                                              <p:pRg st="0" end="0"/>
                                             </p:txEl>
                                           </p:spTgt>
                                         </p:tgtEl>
@@ -7420,13 +7485,13 @@
                                         <p:strVal val="visible"/>
                                       </p:to>
                                     </p:set>
-                                    <p:animEffect transition="in" filter="dissolve">
+                                    <p:animEffect transition="in" filter="fade">
                                       <p:cBhvr>
                                         <p:cTn id="7" dur="500"/>
                                         <p:tgtEl>
                                           <p:spTgt spid="628739">
                                             <p:txEl>
-                                              <p:pRg st="1" end="1"/>
+                                              <p:pRg st="0" end="0"/>
                                             </p:txEl>
                                           </p:spTgt>
                                         </p:tgtEl>
@@ -7454,7 +7519,7 @@
                             </p:stCondLst>
                             <p:childTnLst>
                               <p:par>
-                                <p:cTn id="10" presetID="22" presetClass="entr" presetSubtype="1" fill="hold" nodeType="clickEffect">
+                                <p:cTn id="10" presetID="9" presetClass="entr" presetSubtype="0" fill="hold" grpId="0" nodeType="clickEffect">
                                   <p:stCondLst>
                                     <p:cond delay="0"/>
                                   </p:stCondLst>
@@ -7467,7 +7532,11 @@
                                           </p:stCondLst>
                                         </p:cTn>
                                         <p:tgtEl>
-                                          <p:spTgt spid="2"/>
+                                          <p:spTgt spid="628739">
+                                            <p:txEl>
+                                              <p:pRg st="1" end="1"/>
+                                            </p:txEl>
+                                          </p:spTgt>
                                         </p:tgtEl>
                                         <p:attrNameLst>
                                           <p:attrName>style.visibility</p:attrName>
@@ -7477,11 +7546,15 @@
                                         <p:strVal val="visible"/>
                                       </p:to>
                                     </p:set>
-                                    <p:animEffect transition="in" filter="wipe(up)">
+                                    <p:animEffect transition="in" filter="dissolve">
                                       <p:cBhvr>
                                         <p:cTn id="12" dur="500"/>
                                         <p:tgtEl>
-                                          <p:spTgt spid="2"/>
+                                          <p:spTgt spid="628739">
+                                            <p:txEl>
+                                              <p:pRg st="1" end="1"/>
+                                            </p:txEl>
+                                          </p:spTgt>
                                         </p:tgtEl>
                                       </p:cBhvr>
                                     </p:animEffect>
@@ -7507,7 +7580,7 @@
                             </p:stCondLst>
                             <p:childTnLst>
                               <p:par>
-                                <p:cTn id="15" presetID="22" presetClass="entr" presetSubtype="8" fill="hold" grpId="0" nodeType="clickEffect">
+                                <p:cTn id="15" presetID="22" presetClass="entr" presetSubtype="1" fill="hold" nodeType="clickEffect">
                                   <p:stCondLst>
                                     <p:cond delay="0"/>
                                   </p:stCondLst>
@@ -7515,6 +7588,59 @@
                                     <p:set>
                                       <p:cBhvr>
                                         <p:cTn id="16" dur="1" fill="hold">
+                                          <p:stCondLst>
+                                            <p:cond delay="0"/>
+                                          </p:stCondLst>
+                                        </p:cTn>
+                                        <p:tgtEl>
+                                          <p:spTgt spid="2"/>
+                                        </p:tgtEl>
+                                        <p:attrNameLst>
+                                          <p:attrName>style.visibility</p:attrName>
+                                        </p:attrNameLst>
+                                      </p:cBhvr>
+                                      <p:to>
+                                        <p:strVal val="visible"/>
+                                      </p:to>
+                                    </p:set>
+                                    <p:animEffect transition="in" filter="wipe(up)">
+                                      <p:cBhvr>
+                                        <p:cTn id="17" dur="500"/>
+                                        <p:tgtEl>
+                                          <p:spTgt spid="2"/>
+                                        </p:tgtEl>
+                                      </p:cBhvr>
+                                    </p:animEffect>
+                                  </p:childTnLst>
+                                </p:cTn>
+                              </p:par>
+                            </p:childTnLst>
+                          </p:cTn>
+                        </p:par>
+                      </p:childTnLst>
+                    </p:cTn>
+                  </p:par>
+                  <p:par>
+                    <p:cTn id="18" fill="hold">
+                      <p:stCondLst>
+                        <p:cond delay="indefinite"/>
+                      </p:stCondLst>
+                      <p:childTnLst>
+                        <p:par>
+                          <p:cTn id="19" fill="hold">
+                            <p:stCondLst>
+                              <p:cond delay="0"/>
+                            </p:stCondLst>
+                            <p:childTnLst>
+                              <p:par>
+                                <p:cTn id="20" presetID="22" presetClass="entr" presetSubtype="8" fill="hold" grpId="0" nodeType="clickEffect">
+                                  <p:stCondLst>
+                                    <p:cond delay="0"/>
+                                  </p:stCondLst>
+                                  <p:childTnLst>
+                                    <p:set>
+                                      <p:cBhvr>
+                                        <p:cTn id="21" dur="1" fill="hold">
                                           <p:stCondLst>
                                             <p:cond delay="0"/>
                                           </p:stCondLst>
@@ -7536,7 +7662,7 @@
                                     </p:set>
                                     <p:animEffect transition="in" filter="wipe(left)">
                                       <p:cBhvr>
-                                        <p:cTn id="17" dur="500"/>
+                                        <p:cTn id="22" dur="500"/>
                                         <p:tgtEl>
                                           <p:spTgt spid="628739">
                                             <p:txEl>
@@ -7553,20 +7679,20 @@
                           </p:cTn>
                         </p:par>
                         <p:par>
-                          <p:cTn id="18" fill="hold">
+                          <p:cTn id="23" fill="hold">
                             <p:stCondLst>
                               <p:cond delay="500"/>
                             </p:stCondLst>
                             <p:childTnLst>
                               <p:par>
-                                <p:cTn id="19" presetID="22" presetClass="entr" presetSubtype="8" fill="hold" grpId="0" nodeType="afterEffect">
+                                <p:cTn id="24" presetID="22" presetClass="entr" presetSubtype="8" fill="hold" grpId="0" nodeType="afterEffect">
                                   <p:stCondLst>
                                     <p:cond delay="0"/>
                                   </p:stCondLst>
                                   <p:childTnLst>
                                     <p:set>
                                       <p:cBhvr>
-                                        <p:cTn id="20" dur="1" fill="hold">
+                                        <p:cTn id="25" dur="1" fill="hold">
                                           <p:stCondLst>
                                             <p:cond delay="0"/>
                                           </p:stCondLst>
@@ -7588,7 +7714,7 @@
                                     </p:set>
                                     <p:animEffect transition="in" filter="wipe(left)">
                                       <p:cBhvr>
-                                        <p:cTn id="21" dur="500"/>
+                                        <p:cTn id="26" dur="500"/>
                                         <p:tgtEl>
                                           <p:spTgt spid="628739">
                                             <p:txEl>
@@ -7605,20 +7731,20 @@
                           </p:cTn>
                         </p:par>
                         <p:par>
-                          <p:cTn id="22" fill="hold">
+                          <p:cTn id="27" fill="hold">
                             <p:stCondLst>
                               <p:cond delay="1000"/>
                             </p:stCondLst>
                             <p:childTnLst>
                               <p:par>
-                                <p:cTn id="23" presetID="9" presetClass="entr" presetSubtype="0" fill="hold" grpId="0" nodeType="afterEffect">
+                                <p:cTn id="28" presetID="9" presetClass="entr" presetSubtype="0" fill="hold" grpId="0" nodeType="afterEffect">
                                   <p:stCondLst>
                                     <p:cond delay="0"/>
                                   </p:stCondLst>
                                   <p:childTnLst>
                                     <p:set>
                                       <p:cBhvr>
-                                        <p:cTn id="24" dur="1" fill="hold">
+                                        <p:cTn id="29" dur="1" fill="hold">
                                           <p:stCondLst>
                                             <p:cond delay="0"/>
                                           </p:stCondLst>
@@ -7640,7 +7766,7 @@
                                     </p:set>
                                     <p:animEffect transition="in" filter="dissolve">
                                       <p:cBhvr>
-                                        <p:cTn id="25" dur="1000"/>
+                                        <p:cTn id="30" dur="1000"/>
                                         <p:tgtEl>
                                           <p:spTgt spid="628739">
                                             <p:txEl>
@@ -7786,6 +7912,16 @@
               <a:t> </a:t>
             </a:r>
             <a:r>
+              <a:rPr lang="en-US" sz="5400" dirty="0" err="1" smtClean="0">
+                <a:solidFill>
+                  <a:schemeClr val="accent1">
+                    <a:lumMod val="50000"/>
+                  </a:schemeClr>
+                </a:solidFill>
+              </a:rPr>
+              <a:t>Pr</a:t>
+            </a:r>
+            <a:r>
               <a:rPr lang="en-US" sz="5400" dirty="0" smtClean="0">
                 <a:solidFill>
                   <a:schemeClr val="accent1">
@@ -7793,7 +7929,7 @@
                   </a:schemeClr>
                 </a:solidFill>
               </a:rPr>
-              <a:t>Pr{R</a:t>
+              <a:t>[R</a:t>
             </a:r>
             <a:r>
               <a:rPr lang="en-US" sz="5400" dirty="0" smtClean="0"/>
@@ -7828,7 +7964,7 @@
                   </a:schemeClr>
                 </a:solidFill>
               </a:rPr>
-              <a:t>}</a:t>
+              <a:t>]</a:t>
             </a:r>
             <a:r>
               <a:rPr lang="en-US" sz="5400" dirty="0" smtClean="0"/>
@@ -7981,22 +8117,28 @@
           <p:cNvGraphicFramePr>
             <a:graphicFrameLocks noChangeAspect="1"/>
           </p:cNvGraphicFramePr>
-          <p:nvPr/>
+          <p:nvPr>
+            <p:extLst>
+              <p:ext uri="{D42A27DB-BD31-4B8C-83A1-F6EECF244321}">
+                <p14:modId xmlns:p14="http://schemas.microsoft.com/office/powerpoint/2010/main" val="2090774339"/>
+              </p:ext>
+            </p:extLst>
+          </p:nvPr>
         </p:nvGraphicFramePr>
         <p:xfrm>
-          <a:off x="438047" y="2994439"/>
-          <a:ext cx="4637831" cy="1583650"/>
+          <a:off x="463550" y="3248025"/>
+          <a:ext cx="5145088" cy="1074738"/>
         </p:xfrm>
         <a:graphic>
           <a:graphicData uri="http://schemas.openxmlformats.org/presentationml/2006/ole">
             <mc:AlternateContent xmlns:mc="http://schemas.openxmlformats.org/markup-compatibility/2006">
               <mc:Choice xmlns:v="urn:schemas-microsoft-com:vml" Requires="v">
-                <p:oleObj spid="_x0000_s1072" name="Equation" r:id="rId5" imgW="1041400" imgH="355600" progId="Equation.DSMT4">
+                <p:oleObj spid="_x0000_s1082" name="Equation" r:id="rId5" imgW="1155700" imgH="241300" progId="Equation.DSMT4">
                   <p:embed/>
                 </p:oleObj>
               </mc:Choice>
               <mc:Fallback>
-                <p:oleObj name="Equation" r:id="rId5" imgW="1041400" imgH="355600" progId="Equation.DSMT4">
+                <p:oleObj name="Equation" r:id="rId5" imgW="1155700" imgH="241300" progId="Equation.DSMT4">
                   <p:embed/>
                   <p:pic>
                     <p:nvPicPr>
@@ -8007,13 +8149,7 @@
                       <p:nvPr/>
                     </p:nvPicPr>
                     <p:blipFill>
-                      <a:blip r:embed="rId6">
-                        <a:extLst>
-                          <a:ext uri="{28A0092B-C50C-407E-A947-70E740481C1C}">
-                            <a14:useLocalDpi xmlns:a14="http://schemas.microsoft.com/office/drawing/2010/main" val="0"/>
-                          </a:ext>
-                        </a:extLst>
-                      </a:blip>
+                      <a:blip r:embed="rId6"/>
                       <a:srcRect/>
                       <a:stretch>
                         <a:fillRect/>
@@ -8021,8 +8157,8 @@
                     </p:blipFill>
                     <p:spPr bwMode="auto">
                       <a:xfrm>
-                        <a:off x="438047" y="2994439"/>
-                        <a:ext cx="4637831" cy="1583650"/>
+                        <a:off x="463550" y="3248025"/>
+                        <a:ext cx="5145088" cy="1074738"/>
                       </a:xfrm>
                       <a:prstGeom prst="rect">
                         <a:avLst/>
@@ -8061,7 +8197,7 @@
           <a:graphicData uri="http://schemas.openxmlformats.org/presentationml/2006/ole">
             <mc:AlternateContent xmlns:mc="http://schemas.openxmlformats.org/markup-compatibility/2006">
               <mc:Choice xmlns:v="urn:schemas-microsoft-com:vml" Requires="v">
-                <p:oleObj spid="_x0000_s1073" name="Equation" r:id="rId7" imgW="139700" imgH="228600" progId="Equation.DSMT4">
+                <p:oleObj spid="_x0000_s1083" name="Equation" r:id="rId7" imgW="139700" imgH="228600" progId="Equation.DSMT4">
                   <p:embed/>
                 </p:oleObj>
               </mc:Choice>
@@ -8123,8 +8259,8 @@
   <p:clrMapOvr>
     <a:masterClrMapping/>
   </p:clrMapOvr>
-  <p:transition xmlns:p14="http://schemas.microsoft.com/office/powerpoint/2010/main" advTm="50148">
-    <p:fade thruBlk="1"/>
+  <p:transition xmlns:p14="http://schemas.microsoft.com/office/powerpoint/2010/main" spd="slow" advClick="0">
+    <p:fade/>
   </p:transition>
   <p:timing>
     <p:tnLst>
@@ -8147,7 +8283,7 @@
                             </p:stCondLst>
                             <p:childTnLst>
                               <p:par>
-                                <p:cTn id="5" presetID="1" presetClass="entr" presetSubtype="0" fill="hold" nodeType="clickEffect">
+                                <p:cTn id="5" presetID="10" presetClass="entr" presetSubtype="0" fill="hold" grpId="0" nodeType="clickEffect">
                                   <p:stCondLst>
                                     <p:cond delay="0"/>
                                   </p:stCondLst>
@@ -8155,6 +8291,67 @@
                                     <p:set>
                                       <p:cBhvr>
                                         <p:cTn id="6" dur="1" fill="hold">
+                                          <p:stCondLst>
+                                            <p:cond delay="0"/>
+                                          </p:stCondLst>
+                                        </p:cTn>
+                                        <p:tgtEl>
+                                          <p:spTgt spid="709635">
+                                            <p:txEl>
+                                              <p:pRg st="0" end="0"/>
+                                            </p:txEl>
+                                          </p:spTgt>
+                                        </p:tgtEl>
+                                        <p:attrNameLst>
+                                          <p:attrName>style.visibility</p:attrName>
+                                        </p:attrNameLst>
+                                      </p:cBhvr>
+                                      <p:to>
+                                        <p:strVal val="visible"/>
+                                      </p:to>
+                                    </p:set>
+                                    <p:animEffect transition="in" filter="fade">
+                                      <p:cBhvr>
+                                        <p:cTn id="7" dur="500"/>
+                                        <p:tgtEl>
+                                          <p:spTgt spid="709635">
+                                            <p:txEl>
+                                              <p:pRg st="0" end="0"/>
+                                            </p:txEl>
+                                          </p:spTgt>
+                                        </p:tgtEl>
+                                      </p:cBhvr>
+                                    </p:animEffect>
+                                  </p:childTnLst>
+                                </p:cTn>
+                              </p:par>
+                            </p:childTnLst>
+                          </p:cTn>
+                        </p:par>
+                      </p:childTnLst>
+                    </p:cTn>
+                  </p:par>
+                  <p:par>
+                    <p:cTn id="8" fill="hold">
+                      <p:stCondLst>
+                        <p:cond delay="indefinite"/>
+                      </p:stCondLst>
+                      <p:childTnLst>
+                        <p:par>
+                          <p:cTn id="9" fill="hold">
+                            <p:stCondLst>
+                              <p:cond delay="0"/>
+                            </p:stCondLst>
+                            <p:childTnLst>
+                              <p:par>
+                                <p:cTn id="10" presetID="10" presetClass="entr" presetSubtype="0" fill="hold" grpId="0" nodeType="clickEffect">
+                                  <p:stCondLst>
+                                    <p:cond delay="0"/>
+                                  </p:stCondLst>
+                                  <p:childTnLst>
+                                    <p:set>
+                                      <p:cBhvr>
+                                        <p:cTn id="11" dur="1" fill="hold">
                                           <p:stCondLst>
                                             <p:cond delay="0"/>
                                           </p:stCondLst>
@@ -8174,6 +8371,18 @@
                                         <p:strVal val="visible"/>
                                       </p:to>
                                     </p:set>
+                                    <p:animEffect transition="in" filter="fade">
+                                      <p:cBhvr>
+                                        <p:cTn id="12" dur="500"/>
+                                        <p:tgtEl>
+                                          <p:spTgt spid="709635">
+                                            <p:txEl>
+                                              <p:pRg st="1" end="1"/>
+                                            </p:txEl>
+                                          </p:spTgt>
+                                        </p:tgtEl>
+                                      </p:cBhvr>
+                                    </p:animEffect>
                                   </p:childTnLst>
                                 </p:cTn>
                               </p:par>
@@ -8184,26 +8393,26 @@
                     </p:cTn>
                   </p:par>
                   <p:par>
-                    <p:cTn id="7" fill="hold">
+                    <p:cTn id="13" fill="hold">
                       <p:stCondLst>
                         <p:cond delay="indefinite"/>
                       </p:stCondLst>
                       <p:childTnLst>
                         <p:par>
-                          <p:cTn id="8" fill="hold">
+                          <p:cTn id="14" fill="hold">
                             <p:stCondLst>
                               <p:cond delay="0"/>
                             </p:stCondLst>
                             <p:childTnLst>
                               <p:par>
-                                <p:cTn id="9" presetID="10" presetClass="entr" presetSubtype="0" fill="hold" nodeType="clickEffect">
+                                <p:cTn id="15" presetID="22" presetClass="entr" presetSubtype="8" fill="hold" nodeType="clickEffect">
                                   <p:stCondLst>
                                     <p:cond delay="0"/>
                                   </p:stCondLst>
                                   <p:childTnLst>
                                     <p:set>
                                       <p:cBhvr>
-                                        <p:cTn id="10" dur="1" fill="hold">
+                                        <p:cTn id="16" dur="1" fill="hold">
                                           <p:stCondLst>
                                             <p:cond delay="0"/>
                                           </p:stCondLst>
@@ -8219,9 +8428,9 @@
                                         <p:strVal val="visible"/>
                                       </p:to>
                                     </p:set>
-                                    <p:animEffect transition="in" filter="fade">
+                                    <p:animEffect transition="in" filter="wipe(left)">
                                       <p:cBhvr>
-                                        <p:cTn id="11" dur="500"/>
+                                        <p:cTn id="17" dur="1000"/>
                                         <p:tgtEl>
                                           <p:spTgt spid="6"/>
                                         </p:tgtEl>
@@ -8237,26 +8446,26 @@
                     </p:cTn>
                   </p:par>
                   <p:par>
-                    <p:cTn id="12" fill="hold">
+                    <p:cTn id="18" fill="hold">
                       <p:stCondLst>
                         <p:cond delay="indefinite"/>
                       </p:stCondLst>
                       <p:childTnLst>
                         <p:par>
-                          <p:cTn id="13" fill="hold">
+                          <p:cTn id="19" fill="hold">
                             <p:stCondLst>
                               <p:cond delay="0"/>
                             </p:stCondLst>
                             <p:childTnLst>
                               <p:par>
-                                <p:cTn id="14" presetID="1" presetClass="entr" presetSubtype="0" fill="hold" nodeType="clickEffect">
+                                <p:cTn id="20" presetID="10" presetClass="entr" presetSubtype="0" fill="hold" grpId="0" nodeType="clickEffect">
                                   <p:stCondLst>
                                     <p:cond delay="0"/>
                                   </p:stCondLst>
                                   <p:childTnLst>
                                     <p:set>
                                       <p:cBhvr>
-                                        <p:cTn id="15" dur="1" fill="hold">
+                                        <p:cTn id="21" dur="1" fill="hold">
                                           <p:stCondLst>
                                             <p:cond delay="0"/>
                                           </p:stCondLst>
@@ -8276,27 +8485,48 @@
                                         <p:strVal val="visible"/>
                                       </p:to>
                                     </p:set>
+                                    <p:animEffect transition="in" filter="fade">
+                                      <p:cBhvr>
+                                        <p:cTn id="22" dur="500"/>
+                                        <p:tgtEl>
+                                          <p:spTgt spid="709635">
+                                            <p:txEl>
+                                              <p:pRg st="3" end="3"/>
+                                            </p:txEl>
+                                          </p:spTgt>
+                                        </p:tgtEl>
+                                      </p:cBhvr>
+                                    </p:animEffect>
                                   </p:childTnLst>
                                 </p:cTn>
                               </p:par>
                             </p:childTnLst>
                           </p:cTn>
                         </p:par>
+                      </p:childTnLst>
+                    </p:cTn>
+                  </p:par>
+                  <p:par>
+                    <p:cTn id="23" fill="hold">
+                      <p:stCondLst>
+                        <p:cond delay="indefinite"/>
+                      </p:stCondLst>
+                      <p:childTnLst>
                         <p:par>
-                          <p:cTn id="16" fill="hold">
+                          <p:cTn id="24" fill="hold">
                             <p:stCondLst>
                               <p:cond delay="0"/>
                             </p:stCondLst>
                             <p:childTnLst>
                               <p:par>
-                                <p:cTn id="17" presetID="1" presetClass="entr" presetSubtype="0" fill="hold" nodeType="afterEffect">
+                                <p:cTn id="25" presetID="10" presetClass="entr" presetSubtype="0" fill="hold" grpId="0" nodeType="clickEffect">
                                   <p:stCondLst>
-                                    <p:cond delay="3000"/>
+                                    <p:cond delay="0"/>
                                   </p:stCondLst>
                                   <p:childTnLst>
                                     <p:set>
                                       <p:cBhvr>
-                                        <p:cTn id="18" dur="1" fill="hold">
+                                        <p:cTn id="26" dur="1" fill="hold">
                                           <p:stCondLst>
                                             <p:cond delay="0"/>
                                           </p:stCondLst>
@@ -8316,6 +8546,18 @@
                                         <p:strVal val="visible"/>
                                       </p:to>
                                     </p:set>
+                                    <p:animEffect transition="in" filter="fade">
+                                      <p:cBhvr>
+                                        <p:cTn id="27" dur="500"/>
+                                        <p:tgtEl>
+                                          <p:spTgt spid="709635">
+                                            <p:txEl>
+                                              <p:pRg st="4" end="4"/>
+                                            </p:txEl>
+                                          </p:spTgt>
+                                        </p:tgtEl>
+                                      </p:cBhvr>
+                                    </p:animEffect>
                                   </p:childTnLst>
                                 </p:cTn>
                               </p:par>
@@ -8346,6 +8588,9 @@
         </p:cTn>
       </p:par>
     </p:tnLst>
+    <p:bldLst>
+      <p:bldP spid="709635" grpId="0" build="p"/>
+    </p:bldLst>
   </p:timing>
 </p:sld>
 </file>
@@ -8598,9 +8843,18 @@
   <p:clrMapOvr>
     <a:masterClrMapping/>
   </p:clrMapOvr>
-  <p:transition xmlns:p14="http://schemas.microsoft.com/office/powerpoint/2010/main" advTm="34764">
-    <p:fade thruBlk="1"/>
-  </p:transition>
+  <mc:AlternateContent xmlns:mc="http://schemas.openxmlformats.org/markup-compatibility/2006">
+    <mc:Choice xmlns:p14="http://schemas.microsoft.com/office/powerpoint/2010/main" Requires="p14">
+      <p:transition spd="slow" p14:dur="1200" advClick="0">
+        <p:fade thruBlk="1"/>
+      </p:transition>
+    </mc:Choice>
+    <mc:Fallback>
+      <p:transition xmlns:p14="http://schemas.microsoft.com/office/powerpoint/2010/main" spd="slow" advClick="0">
+        <p:fade thruBlk="1"/>
+      </p:transition>
+    </mc:Fallback>
+  </mc:AlternateContent>
   <p:timing>
     <p:tnLst>
       <p:par>
@@ -8622,7 +8876,7 @@
                             </p:stCondLst>
                             <p:childTnLst>
                               <p:par>
-                                <p:cTn id="5" presetID="9" presetClass="entr" presetSubtype="0" fill="hold" grpId="0" nodeType="clickEffect">
+                                <p:cTn id="5" presetID="10" presetClass="entr" presetSubtype="0" fill="hold" grpId="0" nodeType="clickEffect">
                                   <p:stCondLst>
                                     <p:cond delay="0"/>
                                   </p:stCondLst>
@@ -8630,6 +8884,128 @@
                                     <p:set>
                                       <p:cBhvr>
                                         <p:cTn id="6" dur="1" fill="hold">
+                                          <p:stCondLst>
+                                            <p:cond delay="0"/>
+                                          </p:stCondLst>
+                                        </p:cTn>
+                                        <p:tgtEl>
+                                          <p:spTgt spid="706563">
+                                            <p:txEl>
+                                              <p:pRg st="0" end="0"/>
+                                            </p:txEl>
+                                          </p:spTgt>
+                                        </p:tgtEl>
+                                        <p:attrNameLst>
+                                          <p:attrName>style.visibility</p:attrName>
+                                        </p:attrNameLst>
+                                      </p:cBhvr>
+                                      <p:to>
+                                        <p:strVal val="visible"/>
+                                      </p:to>
+                                    </p:set>
+                                    <p:animEffect transition="in" filter="fade">
+                                      <p:cBhvr>
+                                        <p:cTn id="7" dur="500"/>
+                                        <p:tgtEl>
+                                          <p:spTgt spid="706563">
+                                            <p:txEl>
+                                              <p:pRg st="0" end="0"/>
+                                            </p:txEl>
+                                          </p:spTgt>
+                                        </p:tgtEl>
+                                      </p:cBhvr>
+                                    </p:animEffect>
+                                  </p:childTnLst>
+                                </p:cTn>
+                              </p:par>
+                            </p:childTnLst>
+                          </p:cTn>
+                        </p:par>
+                      </p:childTnLst>
+                    </p:cTn>
+                  </p:par>
+                  <p:par>
+                    <p:cTn id="8" fill="hold">
+                      <p:stCondLst>
+                        <p:cond delay="indefinite"/>
+                      </p:stCondLst>
+                      <p:childTnLst>
+                        <p:par>
+                          <p:cTn id="9" fill="hold">
+                            <p:stCondLst>
+                              <p:cond delay="0"/>
+                            </p:stCondLst>
+                            <p:childTnLst>
+                              <p:par>
+                                <p:cTn id="10" presetID="10" presetClass="entr" presetSubtype="0" fill="hold" grpId="0" nodeType="clickEffect">
+                                  <p:stCondLst>
+                                    <p:cond delay="0"/>
+                                  </p:stCondLst>
+                                  <p:childTnLst>
+                                    <p:set>
+                                      <p:cBhvr>
+                                        <p:cTn id="11" dur="1" fill="hold">
+                                          <p:stCondLst>
+                                            <p:cond delay="0"/>
+                                          </p:stCondLst>
+                                        </p:cTn>
+                                        <p:tgtEl>
+                                          <p:spTgt spid="706563">
+                                            <p:txEl>
+                                              <p:pRg st="1" end="1"/>
+                                            </p:txEl>
+                                          </p:spTgt>
+                                        </p:tgtEl>
+                                        <p:attrNameLst>
+                                          <p:attrName>style.visibility</p:attrName>
+                                        </p:attrNameLst>
+                                      </p:cBhvr>
+                                      <p:to>
+                                        <p:strVal val="visible"/>
+                                      </p:to>
+                                    </p:set>
+                                    <p:animEffect transition="in" filter="fade">
+                                      <p:cBhvr>
+                                        <p:cTn id="12" dur="500"/>
+                                        <p:tgtEl>
+                                          <p:spTgt spid="706563">
+                                            <p:txEl>
+                                              <p:pRg st="1" end="1"/>
+                                            </p:txEl>
+                                          </p:spTgt>
+                                        </p:tgtEl>
+                                      </p:cBhvr>
+                                    </p:animEffect>
+                                  </p:childTnLst>
+                                </p:cTn>
+                              </p:par>
+                            </p:childTnLst>
+                          </p:cTn>
+                        </p:par>
+                      </p:childTnLst>
+                    </p:cTn>
+                  </p:par>
+                  <p:par>
+                    <p:cTn id="13" fill="hold">
+                      <p:stCondLst>
+                        <p:cond delay="indefinite"/>
+                      </p:stCondLst>
+                      <p:childTnLst>
+                        <p:par>
+                          <p:cTn id="14" fill="hold">
+                            <p:stCondLst>
+                              <p:cond delay="0"/>
+                            </p:stCondLst>
+                            <p:childTnLst>
+                              <p:par>
+                                <p:cTn id="15" presetID="10" presetClass="entr" presetSubtype="0" fill="hold" grpId="0" nodeType="clickEffect">
+                                  <p:stCondLst>
+                                    <p:cond delay="0"/>
+                                  </p:stCondLst>
+                                  <p:childTnLst>
+                                    <p:set>
+                                      <p:cBhvr>
+                                        <p:cTn id="16" dur="1" fill="hold">
                                           <p:stCondLst>
                                             <p:cond delay="0"/>
                                           </p:stCondLst>
@@ -8649,9 +9025,9 @@
                                         <p:strVal val="visible"/>
                                       </p:to>
                                     </p:set>
-                                    <p:animEffect transition="in" filter="dissolve">
+                                    <p:animEffect transition="in" filter="fade">
                                       <p:cBhvr>
-                                        <p:cTn id="7" dur="500"/>
+                                        <p:cTn id="17" dur="500"/>
                                         <p:tgtEl>
                                           <p:spTgt spid="706563">
                                             <p:txEl>
@@ -8664,15 +9040,33 @@
                                   </p:childTnLst>
                                 </p:cTn>
                               </p:par>
+                            </p:childTnLst>
+                          </p:cTn>
+                        </p:par>
+                      </p:childTnLst>
+                    </p:cTn>
+                  </p:par>
+                  <p:par>
+                    <p:cTn id="18" fill="hold">
+                      <p:stCondLst>
+                        <p:cond delay="indefinite"/>
+                      </p:stCondLst>
+                      <p:childTnLst>
+                        <p:par>
+                          <p:cTn id="19" fill="hold">
+                            <p:stCondLst>
+                              <p:cond delay="0"/>
+                            </p:stCondLst>
+                            <p:childTnLst>
                               <p:par>
-                                <p:cTn id="8" presetID="9" presetClass="entr" presetSubtype="0" fill="hold" grpId="0" nodeType="withEffect">
+                                <p:cTn id="20" presetID="22" presetClass="entr" presetSubtype="8" fill="hold" grpId="0" nodeType="clickEffect">
                                   <p:stCondLst>
                                     <p:cond delay="0"/>
                                   </p:stCondLst>
                                   <p:childTnLst>
                                     <p:set>
                                       <p:cBhvr>
-                                        <p:cTn id="9" dur="1" fill="hold">
+                                        <p:cTn id="21" dur="1" fill="hold">
                                           <p:stCondLst>
                                             <p:cond delay="0"/>
                                           </p:stCondLst>
@@ -8692,9 +9086,9 @@
                                         <p:strVal val="visible"/>
                                       </p:to>
                                     </p:set>
-                                    <p:animEffect transition="in" filter="dissolve">
+                                    <p:animEffect transition="in" filter="wipe(left)">
                                       <p:cBhvr>
-                                        <p:cTn id="10" dur="500"/>
+                                        <p:cTn id="22" dur="2000"/>
                                         <p:tgtEl>
                                           <p:spTgt spid="706563">
                                             <p:txEl>
@@ -9177,7 +9571,7 @@
         <p:spPr bwMode="auto">
           <a:xfrm>
             <a:off x="203200" y="3282950"/>
-            <a:ext cx="2332038" cy="762000"/>
+            <a:ext cx="2359039" cy="769441"/>
           </a:xfrm>
           <a:prstGeom prst="rect">
             <a:avLst/>
@@ -9197,6 +9591,28 @@
           <a:lstStyle/>
           <a:p>
             <a:r>
+              <a:rPr lang="en-US" sz="4400" dirty="0" err="1" smtClean="0">
+                <a:solidFill>
+                  <a:schemeClr val="accent1">
+                    <a:lumMod val="50000"/>
+                  </a:schemeClr>
+                </a:solidFill>
+                <a:latin typeface="Comic Sans MS" pitchFamily="66" charset="0"/>
+              </a:rPr>
+              <a:t>Pr</a:t>
+            </a:r>
+            <a:r>
+              <a:rPr lang="en-US" sz="4400" dirty="0" smtClean="0">
+                <a:solidFill>
+                  <a:schemeClr val="accent1">
+                    <a:lumMod val="50000"/>
+                  </a:schemeClr>
+                </a:solidFill>
+                <a:latin typeface="Comic Sans MS" pitchFamily="66" charset="0"/>
+              </a:rPr>
+              <a:t>[D </a:t>
+            </a:r>
+            <a:r>
               <a:rPr lang="en-US" sz="4400" dirty="0">
                 <a:solidFill>
                   <a:schemeClr val="accent1">
@@ -9205,10 +9621,10 @@
                 </a:solidFill>
                 <a:latin typeface="Comic Sans MS" pitchFamily="66" charset="0"/>
               </a:rPr>
-              <a:t>Pr{D = </a:t>
-            </a:r>
-            <a:r>
-              <a:rPr lang="en-US" sz="4400" dirty="0" err="1">
+              <a:t>= </a:t>
+            </a:r>
+            <a:r>
+              <a:rPr lang="en-US" sz="4400" dirty="0" err="1" smtClean="0">
                 <a:solidFill>
                   <a:schemeClr val="accent1">
                     <a:lumMod val="50000"/>
@@ -9219,7 +9635,7 @@
               <a:t>i</a:t>
             </a:r>
             <a:r>
-              <a:rPr lang="en-US" sz="4400" dirty="0">
+              <a:rPr lang="en-US" sz="4400" dirty="0" smtClean="0">
                 <a:solidFill>
                   <a:schemeClr val="accent1">
                     <a:lumMod val="50000"/>
@@ -9227,8 +9643,16 @@
                 </a:solidFill>
                 <a:latin typeface="Comic Sans MS" pitchFamily="66" charset="0"/>
               </a:rPr>
-              <a:t>}</a:t>
-            </a:r>
+              <a:t>]</a:t>
+            </a:r>
+            <a:endParaRPr lang="en-US" sz="4400" dirty="0">
+              <a:solidFill>
+                <a:schemeClr val="accent1">
+                  <a:lumMod val="50000"/>
+                </a:schemeClr>
+              </a:solidFill>
+              <a:latin typeface="Comic Sans MS" pitchFamily="66" charset="0"/>
+            </a:endParaRPr>
           </a:p>
         </p:txBody>
       </p:sp>
@@ -10106,7 +10530,7 @@
   <p:clrMapOvr>
     <a:masterClrMapping/>
   </p:clrMapOvr>
-  <p:transition xmlns:p14="http://schemas.microsoft.com/office/powerpoint/2010/main">
+  <p:transition xmlns:p14="http://schemas.microsoft.com/office/powerpoint/2010/main" spd="slow" advClick="0">
     <p:fade/>
   </p:transition>
   <p:timing>
@@ -10632,7 +11056,7 @@
   <p:clrMapOvr>
     <a:masterClrMapping/>
   </p:clrMapOvr>
-  <p:transition xmlns:p14="http://schemas.microsoft.com/office/powerpoint/2010/main" advTm="32651">
+  <p:transition xmlns:p14="http://schemas.microsoft.com/office/powerpoint/2010/main" spd="slow" advClick="0">
     <p:fade/>
   </p:transition>
   <p:timing>
@@ -10656,7 +11080,7 @@
                             </p:stCondLst>
                             <p:childTnLst>
                               <p:par>
-                                <p:cTn id="5" presetID="9" presetClass="entr" presetSubtype="0" fill="hold" grpId="0" nodeType="clickEffect">
+                                <p:cTn id="5" presetID="10" presetClass="entr" presetSubtype="0" fill="hold" grpId="0" nodeType="clickEffect">
                                   <p:stCondLst>
                                     <p:cond delay="0"/>
                                   </p:stCondLst>
@@ -10683,7 +11107,7 @@
                                         <p:strVal val="visible"/>
                                       </p:to>
                                     </p:set>
-                                    <p:animEffect transition="in" filter="dissolve">
+                                    <p:animEffect transition="in" filter="fade">
                                       <p:cBhvr>
                                         <p:cTn id="7" dur="500"/>
                                         <p:tgtEl>
@@ -10708,7 +11132,7 @@
                             </p:stCondLst>
                             <p:childTnLst>
                               <p:par>
-                                <p:cTn id="9" presetID="9" presetClass="entr" presetSubtype="0" fill="hold" grpId="0" nodeType="afterEffect">
+                                <p:cTn id="9" presetID="22" presetClass="entr" presetSubtype="8" fill="hold" grpId="0" nodeType="afterEffect">
                                   <p:stCondLst>
                                     <p:cond delay="0"/>
                                   </p:stCondLst>
@@ -10735,9 +11159,9 @@
                                         <p:strVal val="visible"/>
                                       </p:to>
                                     </p:set>
-                                    <p:animEffect transition="in" filter="dissolve">
+                                    <p:animEffect transition="in" filter="wipe(left)">
                                       <p:cBhvr>
-                                        <p:cTn id="11" dur="500"/>
+                                        <p:cTn id="11" dur="1000"/>
                                         <p:tgtEl>
                                           <p:spTgt spid="33795">
                                             <p:txEl>
@@ -10769,7 +11193,7 @@
                             </p:stCondLst>
                             <p:childTnLst>
                               <p:par>
-                                <p:cTn id="14" presetID="9" presetClass="entr" presetSubtype="0" fill="hold" grpId="0" nodeType="clickEffect">
+                                <p:cTn id="14" presetID="10" presetClass="entr" presetSubtype="0" fill="hold" grpId="0" nodeType="clickEffect">
                                   <p:stCondLst>
                                     <p:cond delay="0"/>
                                   </p:stCondLst>
@@ -10796,7 +11220,7 @@
                                         <p:strVal val="visible"/>
                                       </p:to>
                                     </p:set>
-                                    <p:animEffect transition="in" filter="dissolve">
+                                    <p:animEffect transition="in" filter="fade">
                                       <p:cBhvr>
                                         <p:cTn id="16" dur="500"/>
                                         <p:tgtEl>
@@ -10821,7 +11245,7 @@
                             </p:stCondLst>
                             <p:childTnLst>
                               <p:par>
-                                <p:cTn id="18" presetID="9" presetClass="entr" presetSubtype="0" fill="hold" grpId="0" nodeType="afterEffect">
+                                <p:cTn id="18" presetID="22" presetClass="entr" presetSubtype="8" fill="hold" grpId="0" nodeType="afterEffect">
                                   <p:stCondLst>
                                     <p:cond delay="0"/>
                                   </p:stCondLst>
@@ -10848,9 +11272,9 @@
                                         <p:strVal val="visible"/>
                                       </p:to>
                                     </p:set>
-                                    <p:animEffect transition="in" filter="dissolve">
+                                    <p:animEffect transition="in" filter="wipe(left)">
                                       <p:cBhvr>
-                                        <p:cTn id="20" dur="500"/>
+                                        <p:cTn id="20" dur="1000"/>
                                         <p:tgtEl>
                                           <p:spTgt spid="33795">
                                             <p:txEl>
